--- a/Fallecimientos de menores de 30 años en CDMX.pptx
+++ b/Fallecimientos de menores de 30 años en CDMX.pptx
@@ -307,7 +307,7 @@
             <a:fld id="{8E36636D-D922-432D-A958-524484B5923D}" type="datetimeFigureOut">
               <a:rPr lang="en-US" dirty="0"/>
               <a:pPr/>
-              <a:t>6/27/2020</a:t>
+              <a:t>6/28/2020</a:t>
             </a:fld>
             <a:endParaRPr lang="en-US" dirty="0"/>
           </a:p>
@@ -601,7 +601,7 @@
           <a:p>
             <a:fld id="{48A87A34-81AB-432B-8DAE-1953F412C126}" type="datetimeFigureOut">
               <a:rPr lang="en-US" dirty="0"/>
-              <a:t>6/27/2020</a:t>
+              <a:t>6/28/2020</a:t>
             </a:fld>
             <a:endParaRPr lang="en-US" dirty="0"/>
           </a:p>
@@ -788,7 +788,7 @@
           <a:p>
             <a:fld id="{48A87A34-81AB-432B-8DAE-1953F412C126}" type="datetimeFigureOut">
               <a:rPr lang="en-US" dirty="0"/>
-              <a:t>6/27/2020</a:t>
+              <a:t>6/28/2020</a:t>
             </a:fld>
             <a:endParaRPr lang="en-US" dirty="0"/>
           </a:p>
@@ -1044,7 +1044,7 @@
           <a:p>
             <a:fld id="{48A87A34-81AB-432B-8DAE-1953F412C126}" type="datetimeFigureOut">
               <a:rPr lang="en-US" dirty="0"/>
-              <a:t>6/27/2020</a:t>
+              <a:t>6/28/2020</a:t>
             </a:fld>
             <a:endParaRPr lang="en-US" dirty="0"/>
           </a:p>
@@ -1463,7 +1463,7 @@
           <a:p>
             <a:fld id="{48A87A34-81AB-432B-8DAE-1953F412C126}" type="datetimeFigureOut">
               <a:rPr lang="en-US" dirty="0"/>
-              <a:t>6/27/2020</a:t>
+              <a:t>6/28/2020</a:t>
             </a:fld>
             <a:endParaRPr lang="en-US" dirty="0"/>
           </a:p>
@@ -1995,7 +1995,7 @@
           <a:p>
             <a:fld id="{48A87A34-81AB-432B-8DAE-1953F412C126}" type="datetimeFigureOut">
               <a:rPr lang="en-US" dirty="0"/>
-              <a:t>6/27/2020</a:t>
+              <a:t>6/28/2020</a:t>
             </a:fld>
             <a:endParaRPr lang="en-US" dirty="0"/>
           </a:p>
@@ -2854,7 +2854,7 @@
           <a:p>
             <a:fld id="{48A87A34-81AB-432B-8DAE-1953F412C126}" type="datetimeFigureOut">
               <a:rPr lang="en-US" dirty="0"/>
-              <a:t>6/27/2020</a:t>
+              <a:t>6/28/2020</a:t>
             </a:fld>
             <a:endParaRPr lang="en-US" dirty="0"/>
           </a:p>
@@ -3020,7 +3020,7 @@
             <a:fld id="{8E36636D-D922-432D-A958-524484B5923D}" type="datetimeFigureOut">
               <a:rPr lang="en-US" dirty="0"/>
               <a:pPr/>
-              <a:t>6/27/2020</a:t>
+              <a:t>6/28/2020</a:t>
             </a:fld>
             <a:endParaRPr lang="en-US" dirty="0"/>
           </a:p>
@@ -3201,7 +3201,7 @@
             <a:fld id="{8E36636D-D922-432D-A958-524484B5923D}" type="datetimeFigureOut">
               <a:rPr lang="en-US" dirty="0"/>
               <a:pPr/>
-              <a:t>6/27/2020</a:t>
+              <a:t>6/28/2020</a:t>
             </a:fld>
             <a:endParaRPr lang="en-US" dirty="0"/>
           </a:p>
@@ -3368,7 +3368,7 @@
             <a:fld id="{8E36636D-D922-432D-A958-524484B5923D}" type="datetimeFigureOut">
               <a:rPr lang="en-US" dirty="0"/>
               <a:pPr/>
-              <a:t>6/27/2020</a:t>
+              <a:t>6/28/2020</a:t>
             </a:fld>
             <a:endParaRPr lang="en-US" dirty="0"/>
           </a:p>
@@ -3609,7 +3609,7 @@
             <a:fld id="{8E36636D-D922-432D-A958-524484B5923D}" type="datetimeFigureOut">
               <a:rPr lang="en-US" dirty="0"/>
               <a:pPr/>
-              <a:t>6/27/2020</a:t>
+              <a:t>6/28/2020</a:t>
             </a:fld>
             <a:endParaRPr lang="en-US" dirty="0"/>
           </a:p>
@@ -3842,7 +3842,7 @@
             <a:fld id="{8E36636D-D922-432D-A958-524484B5923D}" type="datetimeFigureOut">
               <a:rPr lang="en-US" dirty="0"/>
               <a:pPr/>
-              <a:t>6/27/2020</a:t>
+              <a:t>6/28/2020</a:t>
             </a:fld>
             <a:endParaRPr lang="en-US" dirty="0"/>
           </a:p>
@@ -4305,7 +4305,7 @@
             <a:fld id="{8E36636D-D922-432D-A958-524484B5923D}" type="datetimeFigureOut">
               <a:rPr lang="en-US" dirty="0"/>
               <a:pPr/>
-              <a:t>6/27/2020</a:t>
+              <a:t>6/28/2020</a:t>
             </a:fld>
             <a:endParaRPr lang="en-US" dirty="0"/>
           </a:p>
@@ -4420,7 +4420,7 @@
             <a:fld id="{8E36636D-D922-432D-A958-524484B5923D}" type="datetimeFigureOut">
               <a:rPr lang="en-US" dirty="0"/>
               <a:pPr/>
-              <a:t>6/27/2020</a:t>
+              <a:t>6/28/2020</a:t>
             </a:fld>
             <a:endParaRPr lang="en-US" dirty="0"/>
           </a:p>
@@ -4512,7 +4512,7 @@
             <a:fld id="{8E36636D-D922-432D-A958-524484B5923D}" type="datetimeFigureOut">
               <a:rPr lang="en-US" dirty="0"/>
               <a:pPr/>
-              <a:t>6/27/2020</a:t>
+              <a:t>6/28/2020</a:t>
             </a:fld>
             <a:endParaRPr lang="en-US" dirty="0"/>
           </a:p>
@@ -4764,7 +4764,7 @@
             <a:fld id="{8E36636D-D922-432D-A958-524484B5923D}" type="datetimeFigureOut">
               <a:rPr lang="en-US" dirty="0"/>
               <a:pPr/>
-              <a:t>6/27/2020</a:t>
+              <a:t>6/28/2020</a:t>
             </a:fld>
             <a:endParaRPr lang="en-US" dirty="0"/>
           </a:p>
@@ -5061,7 +5061,7 @@
             <a:fld id="{8E36636D-D922-432D-A958-524484B5923D}" type="datetimeFigureOut">
               <a:rPr lang="en-US" dirty="0"/>
               <a:pPr/>
-              <a:t>6/27/2020</a:t>
+              <a:t>6/28/2020</a:t>
             </a:fld>
             <a:endParaRPr lang="en-US" dirty="0"/>
           </a:p>
@@ -5292,7 +5292,7 @@
             <a:fld id="{8E36636D-D922-432D-A958-524484B5923D}" type="datetimeFigureOut">
               <a:rPr lang="en-US" dirty="0"/>
               <a:pPr/>
-              <a:t>6/27/2020</a:t>
+              <a:t>6/28/2020</a:t>
             </a:fld>
             <a:endParaRPr lang="en-US" dirty="0"/>
           </a:p>
@@ -6418,11 +6418,7 @@
           <a:p>
             <a:r>
               <a:rPr lang="es-ES" sz="3200" dirty="0" smtClean="0"/>
-              <a:t>Y con los datos pretendemos generar información que ayude a la toma de decisiones, un caso curioso sería </a:t>
-            </a:r>
-            <a:r>
-              <a:rPr lang="es-ES" sz="3200" dirty="0" smtClean="0"/>
-              <a:t>por ejemplo la obesidad ya que se supone es un problema muy extendido entre los menores de edad pero no se refleja en el ejercicio.</a:t>
+              <a:t>Y con los datos pretendemos generar información que ayude a la toma de decisiones, un caso curioso sería por ejemplo la obesidad ya que se supone es un problema muy extendido entre los menores de edad pero no se refleja en el ejercicio.</a:t>
             </a:r>
           </a:p>
           <a:p>
@@ -6950,7 +6946,7 @@
             </a:r>
           </a:p>
           <a:p>
-            <a:endParaRPr lang="es-ES" dirty="0"/>
+            <a:endParaRPr lang="es-ES" b="1" dirty="0"/>
           </a:p>
           <a:p>
             <a:pPr marL="36900" indent="0">
